--- a/Praxis Lustigmann.pptx
+++ b/Praxis Lustigmann.pptx
@@ -112,6 +112,11 @@
       </a:defRPr>
     </a:lvl9pPr>
   </p:defaultTextStyle>
+  <p:extLst>
+    <p:ext uri="{EFAFB233-063F-42B5-8137-9DF3F51BA10A}">
+      <p15:sldGuideLst xmlns:p15="http://schemas.microsoft.com/office/powerpoint/2012/main"/>
+    </p:ext>
+  </p:extLst>
 </p:presentation>
 </file>
 
@@ -303,7 +308,7 @@
           <a:p>
             <a:fld id="{54F932B7-DBEF-44A5-8B24-DAA98E47BD38}" type="datetimeFigureOut">
               <a:rPr lang="en-GB" smtClean="0"/>
-              <a:t>02/03/2020</a:t>
+              <a:t>03/03/2020</a:t>
             </a:fld>
             <a:endParaRPr lang="en-GB"/>
           </a:p>
@@ -438,6 +443,42 @@
           </a:p>
         </p:txBody>
       </p:sp>
+      <p:pic>
+        <p:nvPicPr>
+          <p:cNvPr id="8" name="Grafik 7">
+            <a:extLst>
+              <a:ext uri="{FF2B5EF4-FFF2-40B4-BE49-F238E27FC236}">
+                <a16:creationId xmlns:a16="http://schemas.microsoft.com/office/drawing/2014/main" id="{84338A0D-6351-4236-B87D-51978BC3152D}"/>
+              </a:ext>
+            </a:extLst>
+          </p:cNvPr>
+          <p:cNvPicPr>
+            <a:picLocks noChangeAspect="1"/>
+          </p:cNvPicPr>
+          <p:nvPr userDrawn="1"/>
+        </p:nvPicPr>
+        <p:blipFill>
+          <a:blip r:embed="rId2">
+            <a:extLst>
+              <a:ext uri="{28A0092B-C50C-407E-A947-70E740481C1C}">
+                <a14:useLocalDpi xmlns:a14="http://schemas.microsoft.com/office/drawing/2010/main" val="0"/>
+              </a:ext>
+            </a:extLst>
+          </a:blip>
+          <a:stretch>
+            <a:fillRect/>
+          </a:stretch>
+        </p:blipFill>
+        <p:spPr>
+          <a:xfrm>
+            <a:off x="11167414" y="0"/>
+            <a:ext cx="909686" cy="1026091"/>
+          </a:xfrm>
+          <a:prstGeom prst="rect">
+            <a:avLst/>
+          </a:prstGeom>
+        </p:spPr>
+      </p:pic>
     </p:spTree>
     <p:extLst>
       <p:ext uri="{BB962C8B-B14F-4D97-AF65-F5344CB8AC3E}">
@@ -641,7 +682,7 @@
           <a:p>
             <a:fld id="{54F932B7-DBEF-44A5-8B24-DAA98E47BD38}" type="datetimeFigureOut">
               <a:rPr lang="en-GB" smtClean="0"/>
-              <a:t>02/03/2020</a:t>
+              <a:t>03/03/2020</a:t>
             </a:fld>
             <a:endParaRPr lang="en-GB"/>
           </a:p>
@@ -1042,7 +1083,7 @@
           <a:p>
             <a:fld id="{54F932B7-DBEF-44A5-8B24-DAA98E47BD38}" type="datetimeFigureOut">
               <a:rPr lang="en-GB" smtClean="0"/>
-              <a:t>02/03/2020</a:t>
+              <a:t>03/03/2020</a:t>
             </a:fld>
             <a:endParaRPr lang="en-GB"/>
           </a:p>
@@ -1378,7 +1419,7 @@
           <a:p>
             <a:fld id="{54F932B7-DBEF-44A5-8B24-DAA98E47BD38}" type="datetimeFigureOut">
               <a:rPr lang="en-GB" smtClean="0"/>
-              <a:t>02/03/2020</a:t>
+              <a:t>03/03/2020</a:t>
             </a:fld>
             <a:endParaRPr lang="en-GB"/>
           </a:p>
@@ -1698,7 +1739,7 @@
           <a:p>
             <a:fld id="{54F932B7-DBEF-44A5-8B24-DAA98E47BD38}" type="datetimeFigureOut">
               <a:rPr lang="en-GB" smtClean="0"/>
-              <a:t>02/03/2020</a:t>
+              <a:t>03/03/2020</a:t>
             </a:fld>
             <a:endParaRPr lang="en-GB"/>
           </a:p>
@@ -2094,7 +2135,7 @@
           <a:p>
             <a:fld id="{54F932B7-DBEF-44A5-8B24-DAA98E47BD38}" type="datetimeFigureOut">
               <a:rPr lang="en-GB" smtClean="0"/>
-              <a:t>02/03/2020</a:t>
+              <a:t>03/03/2020</a:t>
             </a:fld>
             <a:endParaRPr lang="en-GB"/>
           </a:p>
@@ -2351,7 +2392,7 @@
           <a:p>
             <a:fld id="{54F932B7-DBEF-44A5-8B24-DAA98E47BD38}" type="datetimeFigureOut">
               <a:rPr lang="en-GB" smtClean="0"/>
-              <a:t>02/03/2020</a:t>
+              <a:t>03/03/2020</a:t>
             </a:fld>
             <a:endParaRPr lang="en-GB"/>
           </a:p>
@@ -2613,7 +2654,7 @@
           <a:p>
             <a:fld id="{54F932B7-DBEF-44A5-8B24-DAA98E47BD38}" type="datetimeFigureOut">
               <a:rPr lang="en-GB" smtClean="0"/>
-              <a:t>02/03/2020</a:t>
+              <a:t>03/03/2020</a:t>
             </a:fld>
             <a:endParaRPr lang="en-GB"/>
           </a:p>
@@ -2875,7 +2916,7 @@
           <a:p>
             <a:fld id="{54F932B7-DBEF-44A5-8B24-DAA98E47BD38}" type="datetimeFigureOut">
               <a:rPr lang="en-GB" smtClean="0"/>
-              <a:t>02/03/2020</a:t>
+              <a:t>03/03/2020</a:t>
             </a:fld>
             <a:endParaRPr lang="en-GB"/>
           </a:p>
@@ -3005,6 +3046,42 @@
           </a:p>
         </p:txBody>
       </p:sp>
+      <p:pic>
+        <p:nvPicPr>
+          <p:cNvPr id="9" name="Grafik 8">
+            <a:extLst>
+              <a:ext uri="{FF2B5EF4-FFF2-40B4-BE49-F238E27FC236}">
+                <a16:creationId xmlns:a16="http://schemas.microsoft.com/office/drawing/2014/main" id="{F87B3D68-8C65-482B-84B4-3EB71DBB0D3B}"/>
+              </a:ext>
+            </a:extLst>
+          </p:cNvPr>
+          <p:cNvPicPr>
+            <a:picLocks noChangeAspect="1"/>
+          </p:cNvPicPr>
+          <p:nvPr userDrawn="1"/>
+        </p:nvPicPr>
+        <p:blipFill>
+          <a:blip r:embed="rId2">
+            <a:extLst>
+              <a:ext uri="{28A0092B-C50C-407E-A947-70E740481C1C}">
+                <a14:useLocalDpi xmlns:a14="http://schemas.microsoft.com/office/drawing/2010/main" val="0"/>
+              </a:ext>
+            </a:extLst>
+          </a:blip>
+          <a:stretch>
+            <a:fillRect/>
+          </a:stretch>
+        </p:blipFill>
+        <p:spPr>
+          <a:xfrm>
+            <a:off x="11049769" y="111064"/>
+            <a:ext cx="909686" cy="1026091"/>
+          </a:xfrm>
+          <a:prstGeom prst="rect">
+            <a:avLst/>
+          </a:prstGeom>
+        </p:spPr>
+      </p:pic>
     </p:spTree>
     <p:extLst>
       <p:ext uri="{BB962C8B-B14F-4D97-AF65-F5344CB8AC3E}">
@@ -3204,7 +3281,7 @@
           <a:p>
             <a:fld id="{54F932B7-DBEF-44A5-8B24-DAA98E47BD38}" type="datetimeFigureOut">
               <a:rPr lang="en-GB" smtClean="0"/>
-              <a:t>02/03/2020</a:t>
+              <a:t>03/03/2020</a:t>
             </a:fld>
             <a:endParaRPr lang="en-GB"/>
           </a:p>
@@ -3527,7 +3604,7 @@
           <a:p>
             <a:fld id="{54F932B7-DBEF-44A5-8B24-DAA98E47BD38}" type="datetimeFigureOut">
               <a:rPr lang="en-GB" smtClean="0"/>
-              <a:t>02/03/2020</a:t>
+              <a:t>03/03/2020</a:t>
             </a:fld>
             <a:endParaRPr lang="en-GB"/>
           </a:p>
@@ -3984,7 +4061,7 @@
           <a:p>
             <a:fld id="{54F932B7-DBEF-44A5-8B24-DAA98E47BD38}" type="datetimeFigureOut">
               <a:rPr lang="en-GB" smtClean="0"/>
-              <a:t>02/03/2020</a:t>
+              <a:t>03/03/2020</a:t>
             </a:fld>
             <a:endParaRPr lang="en-GB"/>
           </a:p>
@@ -4189,7 +4266,7 @@
           <a:p>
             <a:fld id="{54F932B7-DBEF-44A5-8B24-DAA98E47BD38}" type="datetimeFigureOut">
               <a:rPr lang="en-GB" smtClean="0"/>
-              <a:t>02/03/2020</a:t>
+              <a:t>03/03/2020</a:t>
             </a:fld>
             <a:endParaRPr lang="en-GB"/>
           </a:p>
@@ -4366,7 +4443,7 @@
           <a:p>
             <a:fld id="{54F932B7-DBEF-44A5-8B24-DAA98E47BD38}" type="datetimeFigureOut">
               <a:rPr lang="en-GB" smtClean="0"/>
-              <a:t>02/03/2020</a:t>
+              <a:t>03/03/2020</a:t>
             </a:fld>
             <a:endParaRPr lang="en-GB"/>
           </a:p>
@@ -4699,7 +4776,7 @@
           <a:p>
             <a:fld id="{54F932B7-DBEF-44A5-8B24-DAA98E47BD38}" type="datetimeFigureOut">
               <a:rPr lang="en-GB" smtClean="0"/>
-              <a:t>02/03/2020</a:t>
+              <a:t>03/03/2020</a:t>
             </a:fld>
             <a:endParaRPr lang="en-GB"/>
           </a:p>
@@ -5044,7 +5121,7 @@
           <a:p>
             <a:fld id="{54F932B7-DBEF-44A5-8B24-DAA98E47BD38}" type="datetimeFigureOut">
               <a:rPr lang="en-GB" smtClean="0"/>
-              <a:t>02/03/2020</a:t>
+              <a:t>03/03/2020</a:t>
             </a:fld>
             <a:endParaRPr lang="en-GB"/>
           </a:p>
@@ -7161,7 +7238,7 @@
           <a:p>
             <a:fld id="{54F932B7-DBEF-44A5-8B24-DAA98E47BD38}" type="datetimeFigureOut">
               <a:rPr lang="en-GB" smtClean="0"/>
-              <a:t>02/03/2020</a:t>
+              <a:t>03/03/2020</a:t>
             </a:fld>
             <a:endParaRPr lang="en-GB"/>
           </a:p>
@@ -7764,10 +7841,10 @@
       </p:sp>
       <p:pic>
         <p:nvPicPr>
-          <p:cNvPr id="5" name="Grafik 4">
+          <p:cNvPr id="8" name="Grafik 7">
             <a:extLst>
               <a:ext uri="{FF2B5EF4-FFF2-40B4-BE49-F238E27FC236}">
-                <a16:creationId xmlns:a16="http://schemas.microsoft.com/office/drawing/2014/main" id="{C11C930F-A365-4EE1-A002-AB0E287C1714}"/>
+                <a16:creationId xmlns:a16="http://schemas.microsoft.com/office/drawing/2014/main" id="{739978A0-7AEC-4FBD-8D2F-250A5E092537}"/>
               </a:ext>
             </a:extLst>
           </p:cNvPr>
@@ -7790,8 +7867,8 @@
         </p:blipFill>
         <p:spPr>
           <a:xfrm>
-            <a:off x="4555222" y="182110"/>
-            <a:ext cx="3081556" cy="2328287"/>
+            <a:off x="4037714" y="0"/>
+            <a:ext cx="4116572" cy="4116572"/>
           </a:xfrm>
           <a:prstGeom prst="rect">
             <a:avLst/>
